--- a/prezentace/Cyklisté.pptx
+++ b/prezentace/Cyklisté.pptx
@@ -3036,7 +3036,7 @@
         <a:p>
           <a:r>
             <a:rPr lang="cs-CZ" dirty="0" smtClean="0"/>
-            <a:t>V případě, že není možné provést export hlásit uživateli</a:t>
+            <a:t>V případě, že není možné provést export nahlásit chybu uživateli</a:t>
           </a:r>
           <a:endParaRPr lang="cs-CZ" dirty="0"/>
         </a:p>
@@ -4603,7 +4603,7 @@
           </a:pPr>
           <a:r>
             <a:rPr lang="cs-CZ" sz="1000" kern="1200" dirty="0" smtClean="0"/>
-            <a:t>V případě, že není možné provést export hlásit uživateli</a:t>
+            <a:t>V případě, že není možné provést export nahlásit chybu uživateli</a:t>
           </a:r>
           <a:endParaRPr lang="cs-CZ" sz="1000" kern="1200" dirty="0"/>
         </a:p>
@@ -10431,7 +10431,7 @@
           <a:p>
             <a:fld id="{F773A9AA-B812-41DA-AE40-65ECF6383622}" type="datetimeFigureOut">
               <a:rPr lang="cs-CZ" smtClean="0"/>
-              <a:t>18.11.2016</a:t>
+              <a:t>19.11.2016</a:t>
             </a:fld>
             <a:endParaRPr lang="cs-CZ"/>
           </a:p>
@@ -10977,7 +10977,7 @@
             <a:fld id="{1D8BD707-D9CF-40AE-B4C6-C98DA3205C09}" type="datetimeFigureOut">
               <a:rPr lang="en-US" smtClean="0"/>
               <a:pPr/>
-              <a:t>11/18/2016</a:t>
+              <a:t>11/19/2016</a:t>
             </a:fld>
             <a:endParaRPr lang="en-US"/>
           </a:p>
@@ -11244,7 +11244,7 @@
             <a:fld id="{1D8BD707-D9CF-40AE-B4C6-C98DA3205C09}" type="datetimeFigureOut">
               <a:rPr lang="en-US" smtClean="0"/>
               <a:pPr/>
-              <a:t>11/18/2016</a:t>
+              <a:t>11/19/2016</a:t>
             </a:fld>
             <a:endParaRPr lang="en-US"/>
           </a:p>
@@ -11421,7 +11421,7 @@
             <a:fld id="{1D8BD707-D9CF-40AE-B4C6-C98DA3205C09}" type="datetimeFigureOut">
               <a:rPr lang="en-US" smtClean="0"/>
               <a:pPr/>
-              <a:t>11/18/2016</a:t>
+              <a:t>11/19/2016</a:t>
             </a:fld>
             <a:endParaRPr lang="en-US"/>
           </a:p>
@@ -11588,7 +11588,7 @@
             <a:fld id="{1D8BD707-D9CF-40AE-B4C6-C98DA3205C09}" type="datetimeFigureOut">
               <a:rPr lang="en-US" smtClean="0"/>
               <a:pPr/>
-              <a:t>11/18/2016</a:t>
+              <a:t>11/19/2016</a:t>
             </a:fld>
             <a:endParaRPr lang="en-US"/>
           </a:p>
@@ -11839,7 +11839,7 @@
             <a:fld id="{1D8BD707-D9CF-40AE-B4C6-C98DA3205C09}" type="datetimeFigureOut">
               <a:rPr lang="en-US" smtClean="0"/>
               <a:pPr/>
-              <a:t>11/18/2016</a:t>
+              <a:t>11/19/2016</a:t>
             </a:fld>
             <a:endParaRPr lang="en-US"/>
           </a:p>
@@ -12124,7 +12124,7 @@
             <a:fld id="{1D8BD707-D9CF-40AE-B4C6-C98DA3205C09}" type="datetimeFigureOut">
               <a:rPr lang="en-US" smtClean="0"/>
               <a:pPr/>
-              <a:t>11/18/2016</a:t>
+              <a:t>11/19/2016</a:t>
             </a:fld>
             <a:endParaRPr lang="en-US"/>
           </a:p>
@@ -12565,7 +12565,7 @@
             <a:fld id="{1D8BD707-D9CF-40AE-B4C6-C98DA3205C09}" type="datetimeFigureOut">
               <a:rPr lang="en-US" smtClean="0"/>
               <a:pPr/>
-              <a:t>11/18/2016</a:t>
+              <a:t>11/19/2016</a:t>
             </a:fld>
             <a:endParaRPr lang="en-US"/>
           </a:p>
@@ -12680,7 +12680,7 @@
             <a:fld id="{1D8BD707-D9CF-40AE-B4C6-C98DA3205C09}" type="datetimeFigureOut">
               <a:rPr lang="en-US" smtClean="0"/>
               <a:pPr/>
-              <a:t>11/18/2016</a:t>
+              <a:t>11/19/2016</a:t>
             </a:fld>
             <a:endParaRPr lang="en-US"/>
           </a:p>
@@ -12772,7 +12772,7 @@
             <a:fld id="{1D8BD707-D9CF-40AE-B4C6-C98DA3205C09}" type="datetimeFigureOut">
               <a:rPr lang="en-US" smtClean="0"/>
               <a:pPr/>
-              <a:t>11/18/2016</a:t>
+              <a:t>11/19/2016</a:t>
             </a:fld>
             <a:endParaRPr lang="en-US"/>
           </a:p>
@@ -13016,7 +13016,7 @@
             <a:fld id="{1D8BD707-D9CF-40AE-B4C6-C98DA3205C09}" type="datetimeFigureOut">
               <a:rPr lang="en-US" smtClean="0"/>
               <a:pPr/>
-              <a:t>11/18/2016</a:t>
+              <a:t>11/19/2016</a:t>
             </a:fld>
             <a:endParaRPr lang="en-US"/>
           </a:p>
@@ -13312,7 +13312,7 @@
             <a:fld id="{1D8BD707-D9CF-40AE-B4C6-C98DA3205C09}" type="datetimeFigureOut">
               <a:rPr lang="en-US" smtClean="0"/>
               <a:pPr/>
-              <a:t>11/18/2016</a:t>
+              <a:t>11/19/2016</a:t>
             </a:fld>
             <a:endParaRPr lang="en-US"/>
           </a:p>
@@ -13608,7 +13608,7 @@
             <a:fld id="{1D8BD707-D9CF-40AE-B4C6-C98DA3205C09}" type="datetimeFigureOut">
               <a:rPr lang="en-US" smtClean="0"/>
               <a:pPr/>
-              <a:t>11/18/2016</a:t>
+              <a:t>11/19/2016</a:t>
             </a:fld>
             <a:endParaRPr lang="en-US"/>
           </a:p>
@@ -14241,7 +14241,7 @@
           <a:p>
             <a:r>
               <a:rPr lang="cs-CZ" dirty="0" smtClean="0"/>
-              <a:t>Vašim </a:t>
+              <a:t>Vaším </a:t>
             </a:r>
             <a:r>
               <a:rPr lang="cs-CZ" dirty="0"/>
@@ -14369,7 +14369,7 @@
           <a:p>
             <a:r>
               <a:rPr lang="cs-CZ" dirty="0" smtClean="0"/>
-              <a:t>Jednotlivé záznamy jsou složeny ze tří hodnot oddělených čárkou ve formátu:</a:t>
+              <a:t>Jednotlivé záznamy jsou složené  ze tří hodnot oddělených čárkou ve formátu:</a:t>
             </a:r>
           </a:p>
           <a:p>
@@ -14378,7 +14378,7 @@
           <a:p>
             <a:r>
               <a:rPr lang="cs-CZ" dirty="0" smtClean="0"/>
-              <a:t>Aby byl záznam platný je nutné dodržet tyto zásady:</a:t>
+              <a:t>Aby byl záznam platný, je nutné dodržet tyto zásady:</a:t>
             </a:r>
           </a:p>
           <a:p>
@@ -14387,7 +14387,7 @@
             </a:pPr>
             <a:r>
               <a:rPr lang="cs-CZ" sz="1400" dirty="0" smtClean="0"/>
-              <a:t>Ujetá vzdálenost a doba trvání tréninku musí být desetinná čísla hodnoty vetší něž nula.</a:t>
+              <a:t>Ujetá vzdálenost a doba trvání tréninku musí být desetinných číslech, v hodnotách vetší něž nula.</a:t>
             </a:r>
           </a:p>
           <a:p>
@@ -17056,13 +17056,21 @@
           <a:p>
             <a:r>
               <a:rPr lang="cs-CZ" dirty="0" smtClean="0"/>
-              <a:t>Po spuštění programu je uživatel vyzván k zadácí cesty k načítanému souboru typu .csv, pokud soubor neexistuje, je uživatel informován a program je ukončen.</a:t>
+              <a:t>Po spuštění programu je uživatel vyzván k zadání cesty k načítanému souboru typu .csv</a:t>
+            </a:r>
+            <a:r>
+              <a:rPr lang="cs-CZ" dirty="0"/>
+              <a:t>.</a:t>
+            </a:r>
+            <a:r>
+              <a:rPr lang="cs-CZ" dirty="0" smtClean="0"/>
+              <a:t> Pokud soubor neexistuje, je uživatel informován a program je ukončen.</a:t>
             </a:r>
           </a:p>
           <a:p>
             <a:r>
               <a:rPr lang="cs-CZ" dirty="0" smtClean="0"/>
-              <a:t>Pokud soubor obsahuje neplatné záznamy tak je uživatel informován a neplatné záznamy ignorovány.</a:t>
+              <a:t>Pokud soubor obsahuje neplatné záznamy, tak je uživatel informován a neplatné záznamy ignorovány.</a:t>
             </a:r>
           </a:p>
           <a:p>
@@ -17074,7 +17082,7 @@
           <a:p>
             <a:r>
               <a:rPr lang="cs-CZ" dirty="0" smtClean="0"/>
-              <a:t>Pokud soubor nelze vytvořit, je uživatel informován a program bude pokračovat v činnosti.</a:t>
+              <a:t>Pokud soubor nelze vytvořit, je uživatel informován a program pokračuje v činnosti.</a:t>
             </a:r>
           </a:p>
         </p:txBody>
@@ -17162,7 +17170,7 @@
           <a:p>
             <a:r>
               <a:rPr lang="cs-CZ" dirty="0" smtClean="0"/>
-              <a:t>Po úspěšném splnění všech podmínek k funkci programu je do konzole vypsána tabulka ve dvou možných konfiguracích:</a:t>
+              <a:t>Po úspěšném splnění všech podmínek k funkci programu je do konzoly vypsána tabulka ve dvou možných konfiguracích:</a:t>
             </a:r>
           </a:p>
           <a:p>
@@ -18480,7 +18488,7 @@
             <p:ph idx="1"/>
             <p:extLst>
               <p:ext uri="{D42A27DB-BD31-4B8C-83A1-F6EECF244321}">
-                <p14:modId xmlns:p14="http://schemas.microsoft.com/office/powerpoint/2010/main" val="3646076964"/>
+                <p14:modId xmlns:p14="http://schemas.microsoft.com/office/powerpoint/2010/main" val="4286528940"/>
               </p:ext>
             </p:extLst>
           </p:nvPr>
